--- a/documentatie/BloodBank.pptx
+++ b/documentatie/BloodBank.pptx
@@ -7,24 +7,26 @@
     <p:sldMasterId id="2147483653" r:id="rId3"/>
   </p:sldMasterIdLst>
   <p:notesMasterIdLst>
-    <p:notesMasterId r:id="rId16"/>
+    <p:notesMasterId r:id="rId18"/>
   </p:notesMasterIdLst>
   <p:handoutMasterIdLst>
-    <p:handoutMasterId r:id="rId17"/>
+    <p:handoutMasterId r:id="rId19"/>
   </p:handoutMasterIdLst>
   <p:sldIdLst>
     <p:sldId id="298" r:id="rId4"/>
     <p:sldId id="297" r:id="rId5"/>
     <p:sldId id="275" r:id="rId6"/>
     <p:sldId id="261" r:id="rId7"/>
-    <p:sldId id="299" r:id="rId8"/>
-    <p:sldId id="265" r:id="rId9"/>
-    <p:sldId id="289" r:id="rId10"/>
+    <p:sldId id="265" r:id="rId8"/>
+    <p:sldId id="289" r:id="rId9"/>
+    <p:sldId id="299" r:id="rId10"/>
     <p:sldId id="282" r:id="rId11"/>
     <p:sldId id="283" r:id="rId12"/>
-    <p:sldId id="300" r:id="rId13"/>
-    <p:sldId id="292" r:id="rId14"/>
-    <p:sldId id="262" r:id="rId15"/>
+    <p:sldId id="301" r:id="rId13"/>
+    <p:sldId id="300" r:id="rId14"/>
+    <p:sldId id="302" r:id="rId15"/>
+    <p:sldId id="292" r:id="rId16"/>
+    <p:sldId id="262" r:id="rId17"/>
   </p:sldIdLst>
   <p:sldSz cx="9144000" cy="5143500" type="screen16x9"/>
   <p:notesSz cx="6858000" cy="9144000"/>
@@ -238,7 +240,7 @@
           <a:p>
             <a:fld id="{DCA0D974-0561-4F94-B707-428AB29B216A}" type="datetimeFigureOut">
               <a:rPr lang="ko-KR" altLang="en-US" smtClean="0"/>
-              <a:t>2019-06-30</a:t>
+              <a:t>2019-07-04</a:t>
             </a:fld>
             <a:endParaRPr lang="ko-KR" altLang="en-US"/>
           </a:p>
@@ -403,7 +405,7 @@
           <a:p>
             <a:fld id="{4DC0B810-6FB8-4958-ACEA-EED1FE35CBDF}" type="datetimeFigureOut">
               <a:rPr lang="ko-KR" altLang="en-US" smtClean="0"/>
-              <a:t>2019-06-30</a:t>
+              <a:t>2019-07-04</a:t>
             </a:fld>
             <a:endParaRPr lang="ko-KR" altLang="en-US"/>
           </a:p>
@@ -8794,6 +8796,503 @@
           <a:chExt cx="0" cy="0"/>
         </a:xfrm>
       </p:grpSpPr>
+      <p:sp>
+        <p:nvSpPr>
+          <p:cNvPr id="2" name="Text Placeholder 1"/>
+          <p:cNvSpPr>
+            <a:spLocks noGrp="1"/>
+          </p:cNvSpPr>
+          <p:nvPr>
+            <p:ph type="body" sz="quarter" idx="10"/>
+          </p:nvPr>
+        </p:nvSpPr>
+        <p:spPr/>
+        <p:txBody>
+          <a:bodyPr/>
+          <a:lstStyle/>
+          <a:p>
+            <a:r>
+              <a:rPr lang="en-US" altLang="ko-KR" dirty="0" err="1">
+                <a:solidFill>
+                  <a:schemeClr val="tx1">
+                    <a:lumMod val="75000"/>
+                    <a:lumOff val="25000"/>
+                  </a:schemeClr>
+                </a:solidFill>
+              </a:rPr>
+              <a:t>Interfa</a:t>
+            </a:r>
+            <a:r>
+              <a:rPr lang="ro-RO" altLang="ko-KR" dirty="0">
+                <a:solidFill>
+                  <a:schemeClr val="tx1">
+                    <a:lumMod val="75000"/>
+                    <a:lumOff val="25000"/>
+                  </a:schemeClr>
+                </a:solidFill>
+              </a:rPr>
+              <a:t>ța grafică</a:t>
+            </a:r>
+            <a:endParaRPr lang="ko-KR" altLang="en-US" dirty="0">
+              <a:solidFill>
+                <a:schemeClr val="tx1">
+                  <a:lumMod val="75000"/>
+                  <a:lumOff val="25000"/>
+                </a:schemeClr>
+              </a:solidFill>
+            </a:endParaRPr>
+          </a:p>
+        </p:txBody>
+      </p:sp>
+      <p:sp>
+        <p:nvSpPr>
+          <p:cNvPr id="39" name="Teardrop 9">
+            <a:extLst>
+              <a:ext uri="{FF2B5EF4-FFF2-40B4-BE49-F238E27FC236}">
+                <a16:creationId xmlns:a16="http://schemas.microsoft.com/office/drawing/2014/main" id="{321F1012-FCB9-47CE-A711-7DC9FDC6C8B9}"/>
+              </a:ext>
+            </a:extLst>
+          </p:cNvPr>
+          <p:cNvSpPr>
+            <a:spLocks noChangeAspect="1"/>
+          </p:cNvSpPr>
+          <p:nvPr/>
+        </p:nvSpPr>
+        <p:spPr>
+          <a:xfrm rot="18900000">
+            <a:off x="8030502" y="777712"/>
+            <a:ext cx="171791" cy="146619"/>
+          </a:xfrm>
+          <a:custGeom>
+            <a:avLst/>
+            <a:gdLst/>
+            <a:ahLst/>
+            <a:cxnLst/>
+            <a:rect l="l" t="t" r="r" b="b"/>
+            <a:pathLst>
+              <a:path w="3552042" h="3031575">
+                <a:moveTo>
+                  <a:pt x="1499560" y="1284945"/>
+                </a:moveTo>
+                <a:lnTo>
+                  <a:pt x="1272419" y="1057805"/>
+                </a:lnTo>
+                <a:lnTo>
+                  <a:pt x="1054631" y="1275593"/>
+                </a:lnTo>
+                <a:lnTo>
+                  <a:pt x="836843" y="1057805"/>
+                </a:lnTo>
+                <a:lnTo>
+                  <a:pt x="609703" y="1284945"/>
+                </a:lnTo>
+                <a:lnTo>
+                  <a:pt x="827491" y="1502733"/>
+                </a:lnTo>
+                <a:lnTo>
+                  <a:pt x="609703" y="1720522"/>
+                </a:lnTo>
+                <a:lnTo>
+                  <a:pt x="836843" y="1947662"/>
+                </a:lnTo>
+                <a:lnTo>
+                  <a:pt x="1054631" y="1729874"/>
+                </a:lnTo>
+                <a:lnTo>
+                  <a:pt x="1272419" y="1947662"/>
+                </a:lnTo>
+                <a:lnTo>
+                  <a:pt x="1499560" y="1720522"/>
+                </a:lnTo>
+                <a:lnTo>
+                  <a:pt x="1281771" y="1502733"/>
+                </a:lnTo>
+                <a:close/>
+                <a:moveTo>
+                  <a:pt x="3552042" y="1021270"/>
+                </a:moveTo>
+                <a:cubicBezTo>
+                  <a:pt x="3346428" y="1488389"/>
+                  <a:pt x="3240687" y="1885112"/>
+                  <a:pt x="3146822" y="2229032"/>
+                </a:cubicBezTo>
+                <a:cubicBezTo>
+                  <a:pt x="3047091" y="2666397"/>
+                  <a:pt x="2787512" y="3031575"/>
+                  <a:pt x="2344279" y="3031575"/>
+                </a:cubicBezTo>
+                <a:cubicBezTo>
+                  <a:pt x="1991740" y="3031575"/>
+                  <a:pt x="1692293" y="2804263"/>
+                  <a:pt x="1587926" y="2487045"/>
+                </a:cubicBezTo>
+                <a:cubicBezTo>
+                  <a:pt x="1859795" y="2308350"/>
+                  <a:pt x="2033031" y="1980125"/>
+                  <a:pt x="2117061" y="1611614"/>
+                </a:cubicBezTo>
+                <a:cubicBezTo>
+                  <a:pt x="2127904" y="1571883"/>
+                  <a:pt x="2138872" y="1531598"/>
+                  <a:pt x="2150086" y="1490753"/>
+                </a:cubicBezTo>
+                <a:cubicBezTo>
+                  <a:pt x="2212338" y="1465032"/>
+                  <a:pt x="2277652" y="1444164"/>
+                  <a:pt x="2344279" y="1426490"/>
+                </a:cubicBezTo>
+                <a:cubicBezTo>
+                  <a:pt x="2764465" y="1315024"/>
+                  <a:pt x="3073190" y="1226884"/>
+                  <a:pt x="3552042" y="1021270"/>
+                </a:cubicBezTo>
+                <a:close/>
+                <a:moveTo>
+                  <a:pt x="2557365" y="0"/>
+                </a:moveTo>
+                <a:cubicBezTo>
+                  <a:pt x="2295797" y="594236"/>
+                  <a:pt x="2161281" y="1098917"/>
+                  <a:pt x="2041873" y="1536428"/>
+                </a:cubicBezTo>
+                <a:cubicBezTo>
+                  <a:pt x="1915003" y="2092812"/>
+                  <a:pt x="1584785" y="2557364"/>
+                  <a:pt x="1020937" y="2557364"/>
+                </a:cubicBezTo>
+                <a:cubicBezTo>
+                  <a:pt x="457089" y="2557364"/>
+                  <a:pt x="0" y="2100276"/>
+                  <a:pt x="0" y="1536428"/>
+                </a:cubicBezTo>
+                <a:cubicBezTo>
+                  <a:pt x="0" y="972580"/>
+                  <a:pt x="475939" y="660066"/>
+                  <a:pt x="1020937" y="515492"/>
+                </a:cubicBezTo>
+                <a:cubicBezTo>
+                  <a:pt x="1555467" y="373694"/>
+                  <a:pt x="1948204" y="261568"/>
+                  <a:pt x="2557365" y="0"/>
+                </a:cubicBezTo>
+                <a:close/>
+              </a:path>
+            </a:pathLst>
+          </a:custGeom>
+          <a:solidFill>
+            <a:schemeClr val="accent4"/>
+          </a:solidFill>
+          <a:ln>
+            <a:noFill/>
+          </a:ln>
+        </p:spPr>
+        <p:style>
+          <a:lnRef idx="2">
+            <a:schemeClr val="accent1">
+              <a:shade val="50000"/>
+            </a:schemeClr>
+          </a:lnRef>
+          <a:fillRef idx="1">
+            <a:schemeClr val="accent1"/>
+          </a:fillRef>
+          <a:effectRef idx="0">
+            <a:schemeClr val="accent1"/>
+          </a:effectRef>
+          <a:fontRef idx="minor">
+            <a:schemeClr val="lt1"/>
+          </a:fontRef>
+        </p:style>
+        <p:txBody>
+          <a:bodyPr rtlCol="0" anchor="ctr"/>
+          <a:lstStyle/>
+          <a:p>
+            <a:pPr algn="ctr"/>
+            <a:endParaRPr lang="ko-KR" altLang="en-US"/>
+          </a:p>
+        </p:txBody>
+      </p:sp>
+      <p:pic>
+        <p:nvPicPr>
+          <p:cNvPr id="4" name="Imagine 3">
+            <a:extLst>
+              <a:ext uri="{FF2B5EF4-FFF2-40B4-BE49-F238E27FC236}">
+                <a16:creationId xmlns:a16="http://schemas.microsoft.com/office/drawing/2014/main" id="{D33401E0-036B-47AE-AC58-425B00AC1EAE}"/>
+              </a:ext>
+            </a:extLst>
+          </p:cNvPr>
+          <p:cNvPicPr>
+            <a:picLocks noChangeAspect="1"/>
+          </p:cNvPicPr>
+          <p:nvPr/>
+        </p:nvPicPr>
+        <p:blipFill>
+          <a:blip r:embed="rId2" cstate="print">
+            <a:extLst>
+              <a:ext uri="{28A0092B-C50C-407E-A947-70E740481C1C}">
+                <a14:useLocalDpi xmlns:a14="http://schemas.microsoft.com/office/drawing/2010/main" val="0"/>
+              </a:ext>
+            </a:extLst>
+          </a:blip>
+          <a:stretch>
+            <a:fillRect/>
+          </a:stretch>
+        </p:blipFill>
+        <p:spPr>
+          <a:xfrm>
+            <a:off x="-9995" y="965052"/>
+            <a:ext cx="3398446" cy="1606698"/>
+          </a:xfrm>
+          <a:prstGeom prst="rect">
+            <a:avLst/>
+          </a:prstGeom>
+        </p:spPr>
+      </p:pic>
+      <p:pic>
+        <p:nvPicPr>
+          <p:cNvPr id="6" name="Imagine 5">
+            <a:extLst>
+              <a:ext uri="{FF2B5EF4-FFF2-40B4-BE49-F238E27FC236}">
+                <a16:creationId xmlns:a16="http://schemas.microsoft.com/office/drawing/2014/main" id="{75BA85AB-A6EE-46FE-9B01-8D69FDE4F0C0}"/>
+              </a:ext>
+            </a:extLst>
+          </p:cNvPr>
+          <p:cNvPicPr>
+            <a:picLocks noChangeAspect="1"/>
+          </p:cNvPicPr>
+          <p:nvPr/>
+        </p:nvPicPr>
+        <p:blipFill>
+          <a:blip r:embed="rId3" cstate="print">
+            <a:extLst>
+              <a:ext uri="{28A0092B-C50C-407E-A947-70E740481C1C}">
+                <a14:useLocalDpi xmlns:a14="http://schemas.microsoft.com/office/drawing/2010/main" val="0"/>
+              </a:ext>
+            </a:extLst>
+          </a:blip>
+          <a:stretch>
+            <a:fillRect/>
+          </a:stretch>
+        </p:blipFill>
+        <p:spPr>
+          <a:xfrm>
+            <a:off x="-19991" y="2655746"/>
+            <a:ext cx="3398446" cy="2364276"/>
+          </a:xfrm>
+          <a:prstGeom prst="rect">
+            <a:avLst/>
+          </a:prstGeom>
+        </p:spPr>
+      </p:pic>
+      <p:pic>
+        <p:nvPicPr>
+          <p:cNvPr id="8" name="Imagine 7">
+            <a:extLst>
+              <a:ext uri="{FF2B5EF4-FFF2-40B4-BE49-F238E27FC236}">
+                <a16:creationId xmlns:a16="http://schemas.microsoft.com/office/drawing/2014/main" id="{4F620664-3218-40A7-A831-12C4F1AF8E16}"/>
+              </a:ext>
+            </a:extLst>
+          </p:cNvPr>
+          <p:cNvPicPr>
+            <a:picLocks noChangeAspect="1"/>
+          </p:cNvPicPr>
+          <p:nvPr/>
+        </p:nvPicPr>
+        <p:blipFill>
+          <a:blip r:embed="rId4" cstate="print">
+            <a:extLst>
+              <a:ext uri="{28A0092B-C50C-407E-A947-70E740481C1C}">
+                <a14:useLocalDpi xmlns:a14="http://schemas.microsoft.com/office/drawing/2010/main" val="0"/>
+              </a:ext>
+            </a:extLst>
+          </a:blip>
+          <a:stretch>
+            <a:fillRect/>
+          </a:stretch>
+        </p:blipFill>
+        <p:spPr>
+          <a:xfrm>
+            <a:off x="3398446" y="924940"/>
+            <a:ext cx="2677828" cy="2151827"/>
+          </a:xfrm>
+          <a:prstGeom prst="rect">
+            <a:avLst/>
+          </a:prstGeom>
+        </p:spPr>
+      </p:pic>
+      <p:pic>
+        <p:nvPicPr>
+          <p:cNvPr id="10" name="Imagine 9">
+            <a:extLst>
+              <a:ext uri="{FF2B5EF4-FFF2-40B4-BE49-F238E27FC236}">
+                <a16:creationId xmlns:a16="http://schemas.microsoft.com/office/drawing/2014/main" id="{FB46C27E-B017-4CEA-9A7C-9324967CDF05}"/>
+              </a:ext>
+            </a:extLst>
+          </p:cNvPr>
+          <p:cNvPicPr>
+            <a:picLocks noChangeAspect="1"/>
+          </p:cNvPicPr>
+          <p:nvPr/>
+        </p:nvPicPr>
+        <p:blipFill>
+          <a:blip r:embed="rId5">
+            <a:extLst>
+              <a:ext uri="{28A0092B-C50C-407E-A947-70E740481C1C}">
+                <a14:useLocalDpi xmlns:a14="http://schemas.microsoft.com/office/drawing/2010/main" val="0"/>
+              </a:ext>
+            </a:extLst>
+          </a:blip>
+          <a:stretch>
+            <a:fillRect/>
+          </a:stretch>
+        </p:blipFill>
+        <p:spPr>
+          <a:xfrm>
+            <a:off x="3521403" y="3121719"/>
+            <a:ext cx="3283913" cy="2151827"/>
+          </a:xfrm>
+          <a:prstGeom prst="rect">
+            <a:avLst/>
+          </a:prstGeom>
+        </p:spPr>
+      </p:pic>
+      <p:pic>
+        <p:nvPicPr>
+          <p:cNvPr id="12" name="Imagine 11">
+            <a:extLst>
+              <a:ext uri="{FF2B5EF4-FFF2-40B4-BE49-F238E27FC236}">
+                <a16:creationId xmlns:a16="http://schemas.microsoft.com/office/drawing/2014/main" id="{63D76886-4934-45BE-9D72-9096924798EF}"/>
+              </a:ext>
+            </a:extLst>
+          </p:cNvPr>
+          <p:cNvPicPr>
+            <a:picLocks noChangeAspect="1"/>
+          </p:cNvPicPr>
+          <p:nvPr/>
+        </p:nvPicPr>
+        <p:blipFill>
+          <a:blip r:embed="rId6" cstate="print">
+            <a:extLst>
+              <a:ext uri="{28A0092B-C50C-407E-A947-70E740481C1C}">
+                <a14:useLocalDpi xmlns:a14="http://schemas.microsoft.com/office/drawing/2010/main" val="0"/>
+              </a:ext>
+            </a:extLst>
+          </a:blip>
+          <a:stretch>
+            <a:fillRect/>
+          </a:stretch>
+        </p:blipFill>
+        <p:spPr>
+          <a:xfrm>
+            <a:off x="6017125" y="941003"/>
+            <a:ext cx="3150389" cy="1939255"/>
+          </a:xfrm>
+          <a:prstGeom prst="rect">
+            <a:avLst/>
+          </a:prstGeom>
+        </p:spPr>
+      </p:pic>
+      <p:pic>
+        <p:nvPicPr>
+          <p:cNvPr id="14" name="Imagine 13">
+            <a:extLst>
+              <a:ext uri="{FF2B5EF4-FFF2-40B4-BE49-F238E27FC236}">
+                <a16:creationId xmlns:a16="http://schemas.microsoft.com/office/drawing/2014/main" id="{B51B80A4-EA7A-4585-A053-2FAB07614E95}"/>
+              </a:ext>
+            </a:extLst>
+          </p:cNvPr>
+          <p:cNvPicPr>
+            <a:picLocks noChangeAspect="1"/>
+          </p:cNvPicPr>
+          <p:nvPr/>
+        </p:nvPicPr>
+        <p:blipFill>
+          <a:blip r:embed="rId7">
+            <a:extLst>
+              <a:ext uri="{28A0092B-C50C-407E-A947-70E740481C1C}">
+                <a14:useLocalDpi xmlns:a14="http://schemas.microsoft.com/office/drawing/2010/main" val="0"/>
+              </a:ext>
+            </a:extLst>
+          </a:blip>
+          <a:stretch>
+            <a:fillRect/>
+          </a:stretch>
+        </p:blipFill>
+        <p:spPr>
+          <a:xfrm>
+            <a:off x="6948265" y="3032683"/>
+            <a:ext cx="1821430" cy="2110817"/>
+          </a:xfrm>
+          <a:prstGeom prst="rect">
+            <a:avLst/>
+          </a:prstGeom>
+        </p:spPr>
+      </p:pic>
+      <p:pic>
+        <p:nvPicPr>
+          <p:cNvPr id="16" name="Imagine 15">
+            <a:extLst>
+              <a:ext uri="{FF2B5EF4-FFF2-40B4-BE49-F238E27FC236}">
+                <a16:creationId xmlns:a16="http://schemas.microsoft.com/office/drawing/2014/main" id="{42402BB9-2D56-4F8A-9E48-E0D44DD08D14}"/>
+              </a:ext>
+            </a:extLst>
+          </p:cNvPr>
+          <p:cNvPicPr>
+            <a:picLocks noChangeAspect="1"/>
+          </p:cNvPicPr>
+          <p:nvPr/>
+        </p:nvPicPr>
+        <p:blipFill>
+          <a:blip r:embed="rId8" cstate="print">
+            <a:extLst>
+              <a:ext uri="{28A0092B-C50C-407E-A947-70E740481C1C}">
+                <a14:useLocalDpi xmlns:a14="http://schemas.microsoft.com/office/drawing/2010/main" val="0"/>
+              </a:ext>
+            </a:extLst>
+          </a:blip>
+          <a:stretch>
+            <a:fillRect/>
+          </a:stretch>
+        </p:blipFill>
+        <p:spPr>
+          <a:xfrm>
+            <a:off x="5001629" y="1707654"/>
+            <a:ext cx="1293434" cy="720080"/>
+          </a:xfrm>
+          <a:prstGeom prst="rect">
+            <a:avLst/>
+          </a:prstGeom>
+        </p:spPr>
+      </p:pic>
+    </p:spTree>
+    <p:extLst>
+      <p:ext uri="{BB962C8B-B14F-4D97-AF65-F5344CB8AC3E}">
+        <p14:creationId xmlns:p14="http://schemas.microsoft.com/office/powerpoint/2010/main" val="3640324320"/>
+      </p:ext>
+    </p:extLst>
+  </p:cSld>
+  <p:clrMapOvr>
+    <a:masterClrMapping/>
+  </p:clrMapOvr>
+</p:sld>
+</file>
+
+<file path=ppt/slides/slide11.xml><?xml version="1.0" encoding="utf-8"?>
+<p:sld xmlns:a="http://schemas.openxmlformats.org/drawingml/2006/main" xmlns:r="http://schemas.openxmlformats.org/officeDocument/2006/relationships" xmlns:p="http://schemas.openxmlformats.org/presentationml/2006/main">
+  <p:cSld>
+    <p:spTree>
+      <p:nvGrpSpPr>
+        <p:cNvPr id="1" name=""/>
+        <p:cNvGrpSpPr/>
+        <p:nvPr/>
+      </p:nvGrpSpPr>
+      <p:grpSpPr>
+        <a:xfrm>
+          <a:off x="0" y="0"/>
+          <a:ext cx="0" cy="0"/>
+          <a:chOff x="0" y="0"/>
+          <a:chExt cx="0" cy="0"/>
+        </a:xfrm>
+      </p:grpSpPr>
       <p:grpSp>
         <p:nvGrpSpPr>
           <p:cNvPr id="49" name="Group 48"/>
@@ -10173,7 +10672,637 @@
 </p:sld>
 </file>
 
-<file path=ppt/slides/slide11.xml><?xml version="1.0" encoding="utf-8"?>
+<file path=ppt/slides/slide12.xml><?xml version="1.0" encoding="utf-8"?>
+<p:sld xmlns:a="http://schemas.openxmlformats.org/drawingml/2006/main" xmlns:r="http://schemas.openxmlformats.org/officeDocument/2006/relationships" xmlns:p="http://schemas.openxmlformats.org/presentationml/2006/main">
+  <p:cSld>
+    <p:spTree>
+      <p:nvGrpSpPr>
+        <p:cNvPr id="1" name=""/>
+        <p:cNvGrpSpPr/>
+        <p:nvPr/>
+      </p:nvGrpSpPr>
+      <p:grpSpPr>
+        <a:xfrm>
+          <a:off x="0" y="0"/>
+          <a:ext cx="0" cy="0"/>
+          <a:chOff x="0" y="0"/>
+          <a:chExt cx="0" cy="0"/>
+        </a:xfrm>
+      </p:grpSpPr>
+      <p:sp>
+        <p:nvSpPr>
+          <p:cNvPr id="2" name="Text Placeholder 1"/>
+          <p:cNvSpPr>
+            <a:spLocks noGrp="1"/>
+          </p:cNvSpPr>
+          <p:nvPr>
+            <p:ph type="body" sz="quarter" idx="10"/>
+          </p:nvPr>
+        </p:nvSpPr>
+        <p:spPr/>
+        <p:txBody>
+          <a:bodyPr/>
+          <a:lstStyle/>
+          <a:p>
+            <a:r>
+              <a:rPr lang="ro-RO" altLang="ko-KR" dirty="0">
+                <a:solidFill>
+                  <a:schemeClr val="tx1">
+                    <a:lumMod val="75000"/>
+                    <a:lumOff val="25000"/>
+                  </a:schemeClr>
+                </a:solidFill>
+              </a:rPr>
+              <a:t>Interfața grafică</a:t>
+            </a:r>
+            <a:endParaRPr lang="ko-KR" altLang="en-US" dirty="0">
+              <a:solidFill>
+                <a:schemeClr val="tx1">
+                  <a:lumMod val="75000"/>
+                  <a:lumOff val="25000"/>
+                </a:schemeClr>
+              </a:solidFill>
+            </a:endParaRPr>
+          </a:p>
+        </p:txBody>
+      </p:sp>
+      <p:sp>
+        <p:nvSpPr>
+          <p:cNvPr id="21" name="Teardrop 9">
+            <a:extLst>
+              <a:ext uri="{FF2B5EF4-FFF2-40B4-BE49-F238E27FC236}">
+                <a16:creationId xmlns:a16="http://schemas.microsoft.com/office/drawing/2014/main" id="{83A70FF6-ECD6-4C3B-9134-2B852B86DE6D}"/>
+              </a:ext>
+            </a:extLst>
+          </p:cNvPr>
+          <p:cNvSpPr>
+            <a:spLocks noChangeAspect="1"/>
+          </p:cNvSpPr>
+          <p:nvPr/>
+        </p:nvSpPr>
+        <p:spPr>
+          <a:xfrm rot="18900000">
+            <a:off x="8030502" y="777712"/>
+            <a:ext cx="171791" cy="146619"/>
+          </a:xfrm>
+          <a:custGeom>
+            <a:avLst/>
+            <a:gdLst/>
+            <a:ahLst/>
+            <a:cxnLst/>
+            <a:rect l="l" t="t" r="r" b="b"/>
+            <a:pathLst>
+              <a:path w="3552042" h="3031575">
+                <a:moveTo>
+                  <a:pt x="1499560" y="1284945"/>
+                </a:moveTo>
+                <a:lnTo>
+                  <a:pt x="1272419" y="1057805"/>
+                </a:lnTo>
+                <a:lnTo>
+                  <a:pt x="1054631" y="1275593"/>
+                </a:lnTo>
+                <a:lnTo>
+                  <a:pt x="836843" y="1057805"/>
+                </a:lnTo>
+                <a:lnTo>
+                  <a:pt x="609703" y="1284945"/>
+                </a:lnTo>
+                <a:lnTo>
+                  <a:pt x="827491" y="1502733"/>
+                </a:lnTo>
+                <a:lnTo>
+                  <a:pt x="609703" y="1720522"/>
+                </a:lnTo>
+                <a:lnTo>
+                  <a:pt x="836843" y="1947662"/>
+                </a:lnTo>
+                <a:lnTo>
+                  <a:pt x="1054631" y="1729874"/>
+                </a:lnTo>
+                <a:lnTo>
+                  <a:pt x="1272419" y="1947662"/>
+                </a:lnTo>
+                <a:lnTo>
+                  <a:pt x="1499560" y="1720522"/>
+                </a:lnTo>
+                <a:lnTo>
+                  <a:pt x="1281771" y="1502733"/>
+                </a:lnTo>
+                <a:close/>
+                <a:moveTo>
+                  <a:pt x="3552042" y="1021270"/>
+                </a:moveTo>
+                <a:cubicBezTo>
+                  <a:pt x="3346428" y="1488389"/>
+                  <a:pt x="3240687" y="1885112"/>
+                  <a:pt x="3146822" y="2229032"/>
+                </a:cubicBezTo>
+                <a:cubicBezTo>
+                  <a:pt x="3047091" y="2666397"/>
+                  <a:pt x="2787512" y="3031575"/>
+                  <a:pt x="2344279" y="3031575"/>
+                </a:cubicBezTo>
+                <a:cubicBezTo>
+                  <a:pt x="1991740" y="3031575"/>
+                  <a:pt x="1692293" y="2804263"/>
+                  <a:pt x="1587926" y="2487045"/>
+                </a:cubicBezTo>
+                <a:cubicBezTo>
+                  <a:pt x="1859795" y="2308350"/>
+                  <a:pt x="2033031" y="1980125"/>
+                  <a:pt x="2117061" y="1611614"/>
+                </a:cubicBezTo>
+                <a:cubicBezTo>
+                  <a:pt x="2127904" y="1571883"/>
+                  <a:pt x="2138872" y="1531598"/>
+                  <a:pt x="2150086" y="1490753"/>
+                </a:cubicBezTo>
+                <a:cubicBezTo>
+                  <a:pt x="2212338" y="1465032"/>
+                  <a:pt x="2277652" y="1444164"/>
+                  <a:pt x="2344279" y="1426490"/>
+                </a:cubicBezTo>
+                <a:cubicBezTo>
+                  <a:pt x="2764465" y="1315024"/>
+                  <a:pt x="3073190" y="1226884"/>
+                  <a:pt x="3552042" y="1021270"/>
+                </a:cubicBezTo>
+                <a:close/>
+                <a:moveTo>
+                  <a:pt x="2557365" y="0"/>
+                </a:moveTo>
+                <a:cubicBezTo>
+                  <a:pt x="2295797" y="594236"/>
+                  <a:pt x="2161281" y="1098917"/>
+                  <a:pt x="2041873" y="1536428"/>
+                </a:cubicBezTo>
+                <a:cubicBezTo>
+                  <a:pt x="1915003" y="2092812"/>
+                  <a:pt x="1584785" y="2557364"/>
+                  <a:pt x="1020937" y="2557364"/>
+                </a:cubicBezTo>
+                <a:cubicBezTo>
+                  <a:pt x="457089" y="2557364"/>
+                  <a:pt x="0" y="2100276"/>
+                  <a:pt x="0" y="1536428"/>
+                </a:cubicBezTo>
+                <a:cubicBezTo>
+                  <a:pt x="0" y="972580"/>
+                  <a:pt x="475939" y="660066"/>
+                  <a:pt x="1020937" y="515492"/>
+                </a:cubicBezTo>
+                <a:cubicBezTo>
+                  <a:pt x="1555467" y="373694"/>
+                  <a:pt x="1948204" y="261568"/>
+                  <a:pt x="2557365" y="0"/>
+                </a:cubicBezTo>
+                <a:close/>
+              </a:path>
+            </a:pathLst>
+          </a:custGeom>
+          <a:solidFill>
+            <a:schemeClr val="accent4"/>
+          </a:solidFill>
+          <a:ln>
+            <a:noFill/>
+          </a:ln>
+        </p:spPr>
+        <p:style>
+          <a:lnRef idx="2">
+            <a:schemeClr val="accent1">
+              <a:shade val="50000"/>
+            </a:schemeClr>
+          </a:lnRef>
+          <a:fillRef idx="1">
+            <a:schemeClr val="accent1"/>
+          </a:fillRef>
+          <a:effectRef idx="0">
+            <a:schemeClr val="accent1"/>
+          </a:effectRef>
+          <a:fontRef idx="minor">
+            <a:schemeClr val="lt1"/>
+          </a:fontRef>
+        </p:style>
+        <p:txBody>
+          <a:bodyPr rtlCol="0" anchor="ctr"/>
+          <a:lstStyle/>
+          <a:p>
+            <a:pPr algn="ctr"/>
+            <a:endParaRPr lang="ko-KR" altLang="en-US"/>
+          </a:p>
+        </p:txBody>
+      </p:sp>
+      <p:pic>
+        <p:nvPicPr>
+          <p:cNvPr id="6" name="Imagine 5">
+            <a:extLst>
+              <a:ext uri="{FF2B5EF4-FFF2-40B4-BE49-F238E27FC236}">
+                <a16:creationId xmlns:a16="http://schemas.microsoft.com/office/drawing/2014/main" id="{1EC5E312-2FEF-4C3E-8569-32BA5BD481FD}"/>
+              </a:ext>
+            </a:extLst>
+          </p:cNvPr>
+          <p:cNvPicPr>
+            <a:picLocks noChangeAspect="1"/>
+          </p:cNvPicPr>
+          <p:nvPr/>
+        </p:nvPicPr>
+        <p:blipFill>
+          <a:blip r:embed="rId2" cstate="print">
+            <a:extLst>
+              <a:ext uri="{28A0092B-C50C-407E-A947-70E740481C1C}">
+                <a14:useLocalDpi xmlns:a14="http://schemas.microsoft.com/office/drawing/2010/main" val="0"/>
+              </a:ext>
+            </a:extLst>
+          </a:blip>
+          <a:stretch>
+            <a:fillRect/>
+          </a:stretch>
+        </p:blipFill>
+        <p:spPr>
+          <a:xfrm>
+            <a:off x="0" y="819261"/>
+            <a:ext cx="3920822" cy="2478818"/>
+          </a:xfrm>
+          <a:prstGeom prst="rect">
+            <a:avLst/>
+          </a:prstGeom>
+        </p:spPr>
+      </p:pic>
+      <p:pic>
+        <p:nvPicPr>
+          <p:cNvPr id="10" name="Imagine 9">
+            <a:extLst>
+              <a:ext uri="{FF2B5EF4-FFF2-40B4-BE49-F238E27FC236}">
+                <a16:creationId xmlns:a16="http://schemas.microsoft.com/office/drawing/2014/main" id="{83320558-2BBD-46E7-8CDE-63EB3EFD118A}"/>
+              </a:ext>
+            </a:extLst>
+          </p:cNvPr>
+          <p:cNvPicPr>
+            <a:picLocks noChangeAspect="1"/>
+          </p:cNvPicPr>
+          <p:nvPr/>
+        </p:nvPicPr>
+        <p:blipFill>
+          <a:blip r:embed="rId3" cstate="print">
+            <a:extLst>
+              <a:ext uri="{28A0092B-C50C-407E-A947-70E740481C1C}">
+                <a14:useLocalDpi xmlns:a14="http://schemas.microsoft.com/office/drawing/2010/main" val="0"/>
+              </a:ext>
+            </a:extLst>
+          </a:blip>
+          <a:stretch>
+            <a:fillRect/>
+          </a:stretch>
+        </p:blipFill>
+        <p:spPr>
+          <a:xfrm>
+            <a:off x="0" y="3935452"/>
+            <a:ext cx="4008138" cy="1346454"/>
+          </a:xfrm>
+          <a:prstGeom prst="rect">
+            <a:avLst/>
+          </a:prstGeom>
+        </p:spPr>
+      </p:pic>
+      <p:pic>
+        <p:nvPicPr>
+          <p:cNvPr id="8" name="Imagine 7">
+            <a:extLst>
+              <a:ext uri="{FF2B5EF4-FFF2-40B4-BE49-F238E27FC236}">
+                <a16:creationId xmlns:a16="http://schemas.microsoft.com/office/drawing/2014/main" id="{10024FE3-15D4-40C0-B69D-5DFC37A256AC}"/>
+              </a:ext>
+            </a:extLst>
+          </p:cNvPr>
+          <p:cNvPicPr>
+            <a:picLocks noChangeAspect="1"/>
+          </p:cNvPicPr>
+          <p:nvPr/>
+        </p:nvPicPr>
+        <p:blipFill>
+          <a:blip r:embed="rId4">
+            <a:extLst>
+              <a:ext uri="{28A0092B-C50C-407E-A947-70E740481C1C}">
+                <a14:useLocalDpi xmlns:a14="http://schemas.microsoft.com/office/drawing/2010/main" val="0"/>
+              </a:ext>
+            </a:extLst>
+          </a:blip>
+          <a:stretch>
+            <a:fillRect/>
+          </a:stretch>
+        </p:blipFill>
+        <p:spPr>
+          <a:xfrm>
+            <a:off x="6173" y="3291952"/>
+            <a:ext cx="3914649" cy="1032287"/>
+          </a:xfrm>
+          <a:prstGeom prst="rect">
+            <a:avLst/>
+          </a:prstGeom>
+        </p:spPr>
+      </p:pic>
+      <p:pic>
+        <p:nvPicPr>
+          <p:cNvPr id="14" name="Imagine 13">
+            <a:extLst>
+              <a:ext uri="{FF2B5EF4-FFF2-40B4-BE49-F238E27FC236}">
+                <a16:creationId xmlns:a16="http://schemas.microsoft.com/office/drawing/2014/main" id="{92040F15-1DEC-491B-88ED-083738315520}"/>
+              </a:ext>
+            </a:extLst>
+          </p:cNvPr>
+          <p:cNvPicPr>
+            <a:picLocks noChangeAspect="1"/>
+          </p:cNvPicPr>
+          <p:nvPr/>
+        </p:nvPicPr>
+        <p:blipFill>
+          <a:blip r:embed="rId5" cstate="print">
+            <a:extLst>
+              <a:ext uri="{28A0092B-C50C-407E-A947-70E740481C1C}">
+                <a14:useLocalDpi xmlns:a14="http://schemas.microsoft.com/office/drawing/2010/main" val="0"/>
+              </a:ext>
+            </a:extLst>
+          </a:blip>
+          <a:stretch>
+            <a:fillRect/>
+          </a:stretch>
+        </p:blipFill>
+        <p:spPr>
+          <a:xfrm>
+            <a:off x="3887412" y="64768"/>
+            <a:ext cx="3593368" cy="1840654"/>
+          </a:xfrm>
+          <a:prstGeom prst="rect">
+            <a:avLst/>
+          </a:prstGeom>
+        </p:spPr>
+      </p:pic>
+      <p:pic>
+        <p:nvPicPr>
+          <p:cNvPr id="12" name="Imagine 11">
+            <a:extLst>
+              <a:ext uri="{FF2B5EF4-FFF2-40B4-BE49-F238E27FC236}">
+                <a16:creationId xmlns:a16="http://schemas.microsoft.com/office/drawing/2014/main" id="{E87D7FCA-5BFB-464C-8BBC-CF0AA5304975}"/>
+              </a:ext>
+            </a:extLst>
+          </p:cNvPr>
+          <p:cNvPicPr>
+            <a:picLocks noChangeAspect="1"/>
+          </p:cNvPicPr>
+          <p:nvPr/>
+        </p:nvPicPr>
+        <p:blipFill>
+          <a:blip r:embed="rId6" cstate="print">
+            <a:extLst>
+              <a:ext uri="{28A0092B-C50C-407E-A947-70E740481C1C}">
+                <a14:useLocalDpi xmlns:a14="http://schemas.microsoft.com/office/drawing/2010/main" val="0"/>
+              </a:ext>
+            </a:extLst>
+          </a:blip>
+          <a:stretch>
+            <a:fillRect/>
+          </a:stretch>
+        </p:blipFill>
+        <p:spPr>
+          <a:xfrm>
+            <a:off x="7480780" y="2176"/>
+            <a:ext cx="1663220" cy="818667"/>
+          </a:xfrm>
+          <a:prstGeom prst="rect">
+            <a:avLst/>
+          </a:prstGeom>
+        </p:spPr>
+      </p:pic>
+      <p:pic>
+        <p:nvPicPr>
+          <p:cNvPr id="24" name="Imagine 23">
+            <a:extLst>
+              <a:ext uri="{FF2B5EF4-FFF2-40B4-BE49-F238E27FC236}">
+                <a16:creationId xmlns:a16="http://schemas.microsoft.com/office/drawing/2014/main" id="{643FBBE7-9AFE-4B83-9E91-B95E4840F935}"/>
+              </a:ext>
+            </a:extLst>
+          </p:cNvPr>
+          <p:cNvPicPr>
+            <a:picLocks noChangeAspect="1"/>
+          </p:cNvPicPr>
+          <p:nvPr/>
+        </p:nvPicPr>
+        <p:blipFill>
+          <a:blip r:embed="rId7" cstate="print">
+            <a:extLst>
+              <a:ext uri="{28A0092B-C50C-407E-A947-70E740481C1C}">
+                <a14:useLocalDpi xmlns:a14="http://schemas.microsoft.com/office/drawing/2010/main" val="0"/>
+              </a:ext>
+            </a:extLst>
+          </a:blip>
+          <a:stretch>
+            <a:fillRect/>
+          </a:stretch>
+        </p:blipFill>
+        <p:spPr>
+          <a:xfrm>
+            <a:off x="3887412" y="1303699"/>
+            <a:ext cx="3593368" cy="1628913"/>
+          </a:xfrm>
+          <a:prstGeom prst="rect">
+            <a:avLst/>
+          </a:prstGeom>
+        </p:spPr>
+      </p:pic>
+      <p:pic>
+        <p:nvPicPr>
+          <p:cNvPr id="18" name="Imagine 17">
+            <a:extLst>
+              <a:ext uri="{FF2B5EF4-FFF2-40B4-BE49-F238E27FC236}">
+                <a16:creationId xmlns:a16="http://schemas.microsoft.com/office/drawing/2014/main" id="{A633B678-0640-4338-A23D-20BD11E3D32D}"/>
+              </a:ext>
+            </a:extLst>
+          </p:cNvPr>
+          <p:cNvPicPr>
+            <a:picLocks noChangeAspect="1"/>
+          </p:cNvPicPr>
+          <p:nvPr/>
+        </p:nvPicPr>
+        <p:blipFill>
+          <a:blip r:embed="rId8" cstate="print">
+            <a:extLst>
+              <a:ext uri="{28A0092B-C50C-407E-A947-70E740481C1C}">
+                <a14:useLocalDpi xmlns:a14="http://schemas.microsoft.com/office/drawing/2010/main" val="0"/>
+              </a:ext>
+            </a:extLst>
+          </a:blip>
+          <a:stretch>
+            <a:fillRect/>
+          </a:stretch>
+        </p:blipFill>
+        <p:spPr>
+          <a:xfrm>
+            <a:off x="3908499" y="2889701"/>
+            <a:ext cx="3551194" cy="1355910"/>
+          </a:xfrm>
+          <a:prstGeom prst="rect">
+            <a:avLst/>
+          </a:prstGeom>
+        </p:spPr>
+      </p:pic>
+      <p:pic>
+        <p:nvPicPr>
+          <p:cNvPr id="16" name="Imagine 15">
+            <a:extLst>
+              <a:ext uri="{FF2B5EF4-FFF2-40B4-BE49-F238E27FC236}">
+                <a16:creationId xmlns:a16="http://schemas.microsoft.com/office/drawing/2014/main" id="{208A78EA-4B5E-4B4F-BFE8-D77BDAAFBC0B}"/>
+              </a:ext>
+            </a:extLst>
+          </p:cNvPr>
+          <p:cNvPicPr>
+            <a:picLocks noChangeAspect="1"/>
+          </p:cNvPicPr>
+          <p:nvPr/>
+        </p:nvPicPr>
+        <p:blipFill>
+          <a:blip r:embed="rId9" cstate="print">
+            <a:extLst>
+              <a:ext uri="{28A0092B-C50C-407E-A947-70E740481C1C}">
+                <a14:useLocalDpi xmlns:a14="http://schemas.microsoft.com/office/drawing/2010/main" val="0"/>
+              </a:ext>
+            </a:extLst>
+          </a:blip>
+          <a:stretch>
+            <a:fillRect/>
+          </a:stretch>
+        </p:blipFill>
+        <p:spPr>
+          <a:xfrm>
+            <a:off x="3908499" y="4001235"/>
+            <a:ext cx="3547296" cy="1846041"/>
+          </a:xfrm>
+          <a:prstGeom prst="rect">
+            <a:avLst/>
+          </a:prstGeom>
+        </p:spPr>
+      </p:pic>
+      <p:pic>
+        <p:nvPicPr>
+          <p:cNvPr id="28" name="Imagine 27">
+            <a:extLst>
+              <a:ext uri="{FF2B5EF4-FFF2-40B4-BE49-F238E27FC236}">
+                <a16:creationId xmlns:a16="http://schemas.microsoft.com/office/drawing/2014/main" id="{36038F44-B890-4C38-A0C6-64C49B13AAF5}"/>
+              </a:ext>
+            </a:extLst>
+          </p:cNvPr>
+          <p:cNvPicPr>
+            <a:picLocks noChangeAspect="1"/>
+          </p:cNvPicPr>
+          <p:nvPr/>
+        </p:nvPicPr>
+        <p:blipFill>
+          <a:blip r:embed="rId10">
+            <a:extLst>
+              <a:ext uri="{28A0092B-C50C-407E-A947-70E740481C1C}">
+                <a14:useLocalDpi xmlns:a14="http://schemas.microsoft.com/office/drawing/2010/main" val="0"/>
+              </a:ext>
+            </a:extLst>
+          </a:blip>
+          <a:stretch>
+            <a:fillRect/>
+          </a:stretch>
+        </p:blipFill>
+        <p:spPr>
+          <a:xfrm>
+            <a:off x="7480780" y="768648"/>
+            <a:ext cx="1754215" cy="1628914"/>
+          </a:xfrm>
+          <a:prstGeom prst="rect">
+            <a:avLst/>
+          </a:prstGeom>
+        </p:spPr>
+      </p:pic>
+      <p:pic>
+        <p:nvPicPr>
+          <p:cNvPr id="30" name="Imagine 29">
+            <a:extLst>
+              <a:ext uri="{FF2B5EF4-FFF2-40B4-BE49-F238E27FC236}">
+                <a16:creationId xmlns:a16="http://schemas.microsoft.com/office/drawing/2014/main" id="{508A6DBB-5F65-4883-85FA-9290776C2C8F}"/>
+              </a:ext>
+            </a:extLst>
+          </p:cNvPr>
+          <p:cNvPicPr>
+            <a:picLocks noChangeAspect="1"/>
+          </p:cNvPicPr>
+          <p:nvPr/>
+        </p:nvPicPr>
+        <p:blipFill>
+          <a:blip r:embed="rId11" cstate="print">
+            <a:extLst>
+              <a:ext uri="{28A0092B-C50C-407E-A947-70E740481C1C}">
+                <a14:useLocalDpi xmlns:a14="http://schemas.microsoft.com/office/drawing/2010/main" val="0"/>
+              </a:ext>
+            </a:extLst>
+          </a:blip>
+          <a:stretch>
+            <a:fillRect/>
+          </a:stretch>
+        </p:blipFill>
+        <p:spPr>
+          <a:xfrm>
+            <a:off x="7455795" y="2335155"/>
+            <a:ext cx="2623318" cy="1600297"/>
+          </a:xfrm>
+          <a:prstGeom prst="rect">
+            <a:avLst/>
+          </a:prstGeom>
+        </p:spPr>
+      </p:pic>
+      <p:pic>
+        <p:nvPicPr>
+          <p:cNvPr id="35" name="Imagine 34">
+            <a:extLst>
+              <a:ext uri="{FF2B5EF4-FFF2-40B4-BE49-F238E27FC236}">
+                <a16:creationId xmlns:a16="http://schemas.microsoft.com/office/drawing/2014/main" id="{C3C27EC1-9697-47C5-9208-B70744BFF427}"/>
+              </a:ext>
+            </a:extLst>
+          </p:cNvPr>
+          <p:cNvPicPr>
+            <a:picLocks noChangeAspect="1"/>
+          </p:cNvPicPr>
+          <p:nvPr/>
+        </p:nvPicPr>
+        <p:blipFill>
+          <a:blip r:embed="rId12" cstate="print">
+            <a:extLst>
+              <a:ext uri="{28A0092B-C50C-407E-A947-70E740481C1C}">
+                <a14:useLocalDpi xmlns:a14="http://schemas.microsoft.com/office/drawing/2010/main" val="0"/>
+              </a:ext>
+            </a:extLst>
+          </a:blip>
+          <a:stretch>
+            <a:fillRect/>
+          </a:stretch>
+        </p:blipFill>
+        <p:spPr>
+          <a:xfrm>
+            <a:off x="7422222" y="4083416"/>
+            <a:ext cx="1706013" cy="1060084"/>
+          </a:xfrm>
+          <a:prstGeom prst="rect">
+            <a:avLst/>
+          </a:prstGeom>
+        </p:spPr>
+      </p:pic>
+    </p:spTree>
+    <p:extLst>
+      <p:ext uri="{BB962C8B-B14F-4D97-AF65-F5344CB8AC3E}">
+        <p14:creationId xmlns:p14="http://schemas.microsoft.com/office/powerpoint/2010/main" val="151059919"/>
+      </p:ext>
+    </p:extLst>
+  </p:cSld>
+  <p:clrMapOvr>
+    <a:masterClrMapping/>
+  </p:clrMapOvr>
+</p:sld>
+</file>
+
+<file path=ppt/slides/slide13.xml><?xml version="1.0" encoding="utf-8"?>
 <p:sld xmlns:a="http://schemas.openxmlformats.org/drawingml/2006/main" xmlns:r="http://schemas.openxmlformats.org/officeDocument/2006/relationships" xmlns:p="http://schemas.openxmlformats.org/presentationml/2006/main">
   <p:cSld>
     <p:spTree>
@@ -21771,7 +22900,7 @@
 </p:sld>
 </file>
 
-<file path=ppt/slides/slide12.xml><?xml version="1.0" encoding="utf-8"?>
+<file path=ppt/slides/slide14.xml><?xml version="1.0" encoding="utf-8"?>
 <p:sld xmlns:a="http://schemas.openxmlformats.org/drawingml/2006/main" xmlns:r="http://schemas.openxmlformats.org/officeDocument/2006/relationships" xmlns:p="http://schemas.openxmlformats.org/presentationml/2006/main">
   <p:cSld>
     <p:spTree>
@@ -32562,506 +33691,6 @@
       </p:grpSpPr>
       <p:sp>
         <p:nvSpPr>
-          <p:cNvPr id="14" name="TextBox 51">
-            <a:extLst>
-              <a:ext uri="{FF2B5EF4-FFF2-40B4-BE49-F238E27FC236}">
-                <a16:creationId xmlns:a16="http://schemas.microsoft.com/office/drawing/2014/main" id="{EB75AEC0-40BF-4322-BF6C-8292B2AAB678}"/>
-              </a:ext>
-            </a:extLst>
-          </p:cNvPr>
-          <p:cNvSpPr txBox="1"/>
-          <p:nvPr/>
-        </p:nvSpPr>
-        <p:spPr>
-          <a:xfrm>
-            <a:off x="179512" y="232244"/>
-            <a:ext cx="4320480" cy="400110"/>
-          </a:xfrm>
-          <a:prstGeom prst="rect">
-            <a:avLst/>
-          </a:prstGeom>
-          <a:noFill/>
-        </p:spPr>
-        <p:txBody>
-          <a:bodyPr wrap="square" rtlCol="0">
-            <a:spAutoFit/>
-          </a:bodyPr>
-          <a:lstStyle/>
-          <a:p>
-            <a:pPr algn="ctr"/>
-            <a:r>
-              <a:rPr lang="en-US" altLang="ko-KR" sz="2000" b="1" dirty="0" err="1">
-                <a:solidFill>
-                  <a:schemeClr val="tx1">
-                    <a:lumMod val="75000"/>
-                    <a:lumOff val="25000"/>
-                  </a:schemeClr>
-                </a:solidFill>
-                <a:cs typeface="Arial" pitchFamily="34" charset="0"/>
-              </a:rPr>
-              <a:t>Proiectarea</a:t>
-            </a:r>
-            <a:r>
-              <a:rPr lang="en-US" altLang="ko-KR" sz="2000" b="1" dirty="0">
-                <a:solidFill>
-                  <a:schemeClr val="tx1">
-                    <a:lumMod val="75000"/>
-                    <a:lumOff val="25000"/>
-                  </a:schemeClr>
-                </a:solidFill>
-                <a:cs typeface="Arial" pitchFamily="34" charset="0"/>
-              </a:rPr>
-              <a:t> </a:t>
-            </a:r>
-            <a:r>
-              <a:rPr lang="en-US" altLang="ko-KR" sz="2000" b="1" dirty="0" err="1">
-                <a:solidFill>
-                  <a:schemeClr val="tx1">
-                    <a:lumMod val="75000"/>
-                    <a:lumOff val="25000"/>
-                  </a:schemeClr>
-                </a:solidFill>
-                <a:cs typeface="Arial" pitchFamily="34" charset="0"/>
-              </a:rPr>
-              <a:t>Bazei</a:t>
-            </a:r>
-            <a:r>
-              <a:rPr lang="en-US" altLang="ko-KR" sz="2000" b="1" dirty="0">
-                <a:solidFill>
-                  <a:schemeClr val="tx1">
-                    <a:lumMod val="75000"/>
-                    <a:lumOff val="25000"/>
-                  </a:schemeClr>
-                </a:solidFill>
-                <a:cs typeface="Arial" pitchFamily="34" charset="0"/>
-              </a:rPr>
-              <a:t> de date</a:t>
-            </a:r>
-            <a:endParaRPr lang="ro-RO" altLang="ko-KR" sz="2000" b="1" dirty="0">
-              <a:solidFill>
-                <a:schemeClr val="tx1">
-                  <a:lumMod val="75000"/>
-                  <a:lumOff val="25000"/>
-                </a:schemeClr>
-              </a:solidFill>
-              <a:cs typeface="Arial" pitchFamily="34" charset="0"/>
-            </a:endParaRPr>
-          </a:p>
-        </p:txBody>
-      </p:sp>
-      <p:pic>
-        <p:nvPicPr>
-          <p:cNvPr id="15" name="Substituent conținut 12">
-            <a:extLst>
-              <a:ext uri="{FF2B5EF4-FFF2-40B4-BE49-F238E27FC236}">
-                <a16:creationId xmlns:a16="http://schemas.microsoft.com/office/drawing/2014/main" id="{90BFF926-8831-4E32-90C9-91FCB817778A}"/>
-              </a:ext>
-            </a:extLst>
-          </p:cNvPr>
-          <p:cNvPicPr>
-            <a:picLocks noChangeAspect="1"/>
-          </p:cNvPicPr>
-          <p:nvPr/>
-        </p:nvPicPr>
-        <p:blipFill>
-          <a:blip r:embed="rId2">
-            <a:extLst>
-              <a:ext uri="{28A0092B-C50C-407E-A947-70E740481C1C}">
-                <a14:useLocalDpi xmlns:a14="http://schemas.microsoft.com/office/drawing/2010/main" val="0"/>
-              </a:ext>
-            </a:extLst>
-          </a:blip>
-          <a:stretch>
-            <a:fillRect/>
-          </a:stretch>
-        </p:blipFill>
-        <p:spPr>
-          <a:xfrm>
-            <a:off x="683568" y="777908"/>
-            <a:ext cx="7275839" cy="4223332"/>
-          </a:xfrm>
-          <a:prstGeom prst="rect">
-            <a:avLst/>
-          </a:prstGeom>
-        </p:spPr>
-      </p:pic>
-      <p:sp>
-        <p:nvSpPr>
-          <p:cNvPr id="2" name="Freeform 1"/>
-          <p:cNvSpPr/>
-          <p:nvPr/>
-        </p:nvSpPr>
-        <p:spPr>
-          <a:xfrm rot="5400000">
-            <a:off x="4456308" y="-3356410"/>
-            <a:ext cx="375400" cy="8352928"/>
-          </a:xfrm>
-          <a:custGeom>
-            <a:avLst/>
-            <a:gdLst>
-              <a:gd name="connsiteX0" fmla="*/ 0 w 365760"/>
-              <a:gd name="connsiteY0" fmla="*/ 0 h 5013960"/>
-              <a:gd name="connsiteX1" fmla="*/ 0 w 365760"/>
-              <a:gd name="connsiteY1" fmla="*/ 502920 h 5013960"/>
-              <a:gd name="connsiteX2" fmla="*/ 365760 w 365760"/>
-              <a:gd name="connsiteY2" fmla="*/ 502920 h 5013960"/>
-              <a:gd name="connsiteX3" fmla="*/ 365760 w 365760"/>
-              <a:gd name="connsiteY3" fmla="*/ 1249680 h 5013960"/>
-              <a:gd name="connsiteX4" fmla="*/ 7620 w 365760"/>
-              <a:gd name="connsiteY4" fmla="*/ 1249680 h 5013960"/>
-              <a:gd name="connsiteX5" fmla="*/ 7620 w 365760"/>
-              <a:gd name="connsiteY5" fmla="*/ 5013960 h 5013960"/>
-              <a:gd name="connsiteX0" fmla="*/ 0 w 365760"/>
-              <a:gd name="connsiteY0" fmla="*/ 0 h 4762500"/>
-              <a:gd name="connsiteX1" fmla="*/ 0 w 365760"/>
-              <a:gd name="connsiteY1" fmla="*/ 251460 h 4762500"/>
-              <a:gd name="connsiteX2" fmla="*/ 365760 w 365760"/>
-              <a:gd name="connsiteY2" fmla="*/ 251460 h 4762500"/>
-              <a:gd name="connsiteX3" fmla="*/ 365760 w 365760"/>
-              <a:gd name="connsiteY3" fmla="*/ 998220 h 4762500"/>
-              <a:gd name="connsiteX4" fmla="*/ 7620 w 365760"/>
-              <a:gd name="connsiteY4" fmla="*/ 998220 h 4762500"/>
-              <a:gd name="connsiteX5" fmla="*/ 7620 w 365760"/>
-              <a:gd name="connsiteY5" fmla="*/ 4762500 h 4762500"/>
-              <a:gd name="connsiteX0" fmla="*/ 0 w 365760"/>
-              <a:gd name="connsiteY0" fmla="*/ 0 h 4610100"/>
-              <a:gd name="connsiteX1" fmla="*/ 0 w 365760"/>
-              <a:gd name="connsiteY1" fmla="*/ 251460 h 4610100"/>
-              <a:gd name="connsiteX2" fmla="*/ 365760 w 365760"/>
-              <a:gd name="connsiteY2" fmla="*/ 251460 h 4610100"/>
-              <a:gd name="connsiteX3" fmla="*/ 365760 w 365760"/>
-              <a:gd name="connsiteY3" fmla="*/ 998220 h 4610100"/>
-              <a:gd name="connsiteX4" fmla="*/ 7620 w 365760"/>
-              <a:gd name="connsiteY4" fmla="*/ 998220 h 4610100"/>
-              <a:gd name="connsiteX5" fmla="*/ 7620 w 365760"/>
-              <a:gd name="connsiteY5" fmla="*/ 4610100 h 4610100"/>
-            </a:gdLst>
-            <a:ahLst/>
-            <a:cxnLst>
-              <a:cxn ang="0">
-                <a:pos x="connsiteX0" y="connsiteY0"/>
-              </a:cxn>
-              <a:cxn ang="0">
-                <a:pos x="connsiteX1" y="connsiteY1"/>
-              </a:cxn>
-              <a:cxn ang="0">
-                <a:pos x="connsiteX2" y="connsiteY2"/>
-              </a:cxn>
-              <a:cxn ang="0">
-                <a:pos x="connsiteX3" y="connsiteY3"/>
-              </a:cxn>
-              <a:cxn ang="0">
-                <a:pos x="connsiteX4" y="connsiteY4"/>
-              </a:cxn>
-              <a:cxn ang="0">
-                <a:pos x="connsiteX5" y="connsiteY5"/>
-              </a:cxn>
-            </a:cxnLst>
-            <a:rect l="l" t="t" r="r" b="b"/>
-            <a:pathLst>
-              <a:path w="365760" h="4610100">
-                <a:moveTo>
-                  <a:pt x="0" y="0"/>
-                </a:moveTo>
-                <a:lnTo>
-                  <a:pt x="0" y="251460"/>
-                </a:lnTo>
-                <a:lnTo>
-                  <a:pt x="365760" y="251460"/>
-                </a:lnTo>
-                <a:lnTo>
-                  <a:pt x="365760" y="998220"/>
-                </a:lnTo>
-                <a:lnTo>
-                  <a:pt x="7620" y="998220"/>
-                </a:lnTo>
-                <a:lnTo>
-                  <a:pt x="7620" y="4610100"/>
-                </a:lnTo>
-              </a:path>
-            </a:pathLst>
-          </a:custGeom>
-          <a:ln w="34925">
-            <a:solidFill>
-              <a:schemeClr val="tx1">
-                <a:lumMod val="75000"/>
-                <a:lumOff val="25000"/>
-              </a:schemeClr>
-            </a:solidFill>
-            <a:headEnd type="oval"/>
-            <a:tailEnd type="oval"/>
-          </a:ln>
-        </p:spPr>
-        <p:style>
-          <a:lnRef idx="1">
-            <a:schemeClr val="accent1"/>
-          </a:lnRef>
-          <a:fillRef idx="0">
-            <a:schemeClr val="accent1"/>
-          </a:fillRef>
-          <a:effectRef idx="0">
-            <a:schemeClr val="accent1"/>
-          </a:effectRef>
-          <a:fontRef idx="minor">
-            <a:schemeClr val="tx1"/>
-          </a:fontRef>
-        </p:style>
-        <p:txBody>
-          <a:bodyPr rtlCol="0" anchor="ctr"/>
-          <a:lstStyle/>
-          <a:p>
-            <a:pPr algn="ctr"/>
-            <a:endParaRPr lang="ko-KR" altLang="en-US">
-              <a:solidFill>
-                <a:schemeClr val="tx1">
-                  <a:lumMod val="75000"/>
-                  <a:lumOff val="25000"/>
-                </a:schemeClr>
-              </a:solidFill>
-            </a:endParaRPr>
-          </a:p>
-        </p:txBody>
-      </p:sp>
-      <p:pic>
-        <p:nvPicPr>
-          <p:cNvPr id="4" name="Picture 2" descr="E:\002-KIMS BUSINESS\007-02-Fullslidesppt-Contents\20161216\Stethoscope as symbol of medicine PowerPoint Templates\main-item-01.png"/>
-          <p:cNvPicPr>
-            <a:picLocks noChangeAspect="1" noChangeArrowheads="1"/>
-          </p:cNvPicPr>
-          <p:nvPr/>
-        </p:nvPicPr>
-        <p:blipFill>
-          <a:blip r:embed="rId3" cstate="print">
-            <a:extLst>
-              <a:ext uri="{28A0092B-C50C-407E-A947-70E740481C1C}">
-                <a14:useLocalDpi xmlns:a14="http://schemas.microsoft.com/office/drawing/2010/main" val="0"/>
-              </a:ext>
-            </a:extLst>
-          </a:blip>
-          <a:srcRect/>
-          <a:stretch>
-            <a:fillRect/>
-          </a:stretch>
-        </p:blipFill>
-        <p:spPr bwMode="hidden">
-          <a:xfrm>
-            <a:off x="7236296" y="123478"/>
-            <a:ext cx="938544" cy="696576"/>
-          </a:xfrm>
-          <a:prstGeom prst="rect">
-            <a:avLst/>
-          </a:prstGeom>
-          <a:noFill/>
-          <a:extLst>
-            <a:ext uri="{909E8E84-426E-40DD-AFC4-6F175D3DCCD1}">
-              <a14:hiddenFill xmlns:a14="http://schemas.microsoft.com/office/drawing/2010/main">
-                <a:solidFill>
-                  <a:srgbClr val="FFFFFF"/>
-                </a:solidFill>
-              </a14:hiddenFill>
-            </a:ext>
-          </a:extLst>
-        </p:spPr>
-      </p:pic>
-      <p:sp>
-        <p:nvSpPr>
-          <p:cNvPr id="22" name="Teardrop 9">
-            <a:extLst>
-              <a:ext uri="{FF2B5EF4-FFF2-40B4-BE49-F238E27FC236}">
-                <a16:creationId xmlns:a16="http://schemas.microsoft.com/office/drawing/2014/main" id="{A0DEBC85-2857-48F3-93CA-1CBF2BD272B1}"/>
-              </a:ext>
-            </a:extLst>
-          </p:cNvPr>
-          <p:cNvSpPr>
-            <a:spLocks noChangeAspect="1"/>
-          </p:cNvSpPr>
-          <p:nvPr/>
-        </p:nvSpPr>
-        <p:spPr>
-          <a:xfrm rot="18900000">
-            <a:off x="7239168" y="753432"/>
-            <a:ext cx="171791" cy="146619"/>
-          </a:xfrm>
-          <a:custGeom>
-            <a:avLst/>
-            <a:gdLst/>
-            <a:ahLst/>
-            <a:cxnLst/>
-            <a:rect l="l" t="t" r="r" b="b"/>
-            <a:pathLst>
-              <a:path w="3552042" h="3031575">
-                <a:moveTo>
-                  <a:pt x="1499560" y="1284945"/>
-                </a:moveTo>
-                <a:lnTo>
-                  <a:pt x="1272419" y="1057805"/>
-                </a:lnTo>
-                <a:lnTo>
-                  <a:pt x="1054631" y="1275593"/>
-                </a:lnTo>
-                <a:lnTo>
-                  <a:pt x="836843" y="1057805"/>
-                </a:lnTo>
-                <a:lnTo>
-                  <a:pt x="609703" y="1284945"/>
-                </a:lnTo>
-                <a:lnTo>
-                  <a:pt x="827491" y="1502733"/>
-                </a:lnTo>
-                <a:lnTo>
-                  <a:pt x="609703" y="1720522"/>
-                </a:lnTo>
-                <a:lnTo>
-                  <a:pt x="836843" y="1947662"/>
-                </a:lnTo>
-                <a:lnTo>
-                  <a:pt x="1054631" y="1729874"/>
-                </a:lnTo>
-                <a:lnTo>
-                  <a:pt x="1272419" y="1947662"/>
-                </a:lnTo>
-                <a:lnTo>
-                  <a:pt x="1499560" y="1720522"/>
-                </a:lnTo>
-                <a:lnTo>
-                  <a:pt x="1281771" y="1502733"/>
-                </a:lnTo>
-                <a:close/>
-                <a:moveTo>
-                  <a:pt x="3552042" y="1021270"/>
-                </a:moveTo>
-                <a:cubicBezTo>
-                  <a:pt x="3346428" y="1488389"/>
-                  <a:pt x="3240687" y="1885112"/>
-                  <a:pt x="3146822" y="2229032"/>
-                </a:cubicBezTo>
-                <a:cubicBezTo>
-                  <a:pt x="3047091" y="2666397"/>
-                  <a:pt x="2787512" y="3031575"/>
-                  <a:pt x="2344279" y="3031575"/>
-                </a:cubicBezTo>
-                <a:cubicBezTo>
-                  <a:pt x="1991740" y="3031575"/>
-                  <a:pt x="1692293" y="2804263"/>
-                  <a:pt x="1587926" y="2487045"/>
-                </a:cubicBezTo>
-                <a:cubicBezTo>
-                  <a:pt x="1859795" y="2308350"/>
-                  <a:pt x="2033031" y="1980125"/>
-                  <a:pt x="2117061" y="1611614"/>
-                </a:cubicBezTo>
-                <a:cubicBezTo>
-                  <a:pt x="2127904" y="1571883"/>
-                  <a:pt x="2138872" y="1531598"/>
-                  <a:pt x="2150086" y="1490753"/>
-                </a:cubicBezTo>
-                <a:cubicBezTo>
-                  <a:pt x="2212338" y="1465032"/>
-                  <a:pt x="2277652" y="1444164"/>
-                  <a:pt x="2344279" y="1426490"/>
-                </a:cubicBezTo>
-                <a:cubicBezTo>
-                  <a:pt x="2764465" y="1315024"/>
-                  <a:pt x="3073190" y="1226884"/>
-                  <a:pt x="3552042" y="1021270"/>
-                </a:cubicBezTo>
-                <a:close/>
-                <a:moveTo>
-                  <a:pt x="2557365" y="0"/>
-                </a:moveTo>
-                <a:cubicBezTo>
-                  <a:pt x="2295797" y="594236"/>
-                  <a:pt x="2161281" y="1098917"/>
-                  <a:pt x="2041873" y="1536428"/>
-                </a:cubicBezTo>
-                <a:cubicBezTo>
-                  <a:pt x="1915003" y="2092812"/>
-                  <a:pt x="1584785" y="2557364"/>
-                  <a:pt x="1020937" y="2557364"/>
-                </a:cubicBezTo>
-                <a:cubicBezTo>
-                  <a:pt x="457089" y="2557364"/>
-                  <a:pt x="0" y="2100276"/>
-                  <a:pt x="0" y="1536428"/>
-                </a:cubicBezTo>
-                <a:cubicBezTo>
-                  <a:pt x="0" y="972580"/>
-                  <a:pt x="475939" y="660066"/>
-                  <a:pt x="1020937" y="515492"/>
-                </a:cubicBezTo>
-                <a:cubicBezTo>
-                  <a:pt x="1555467" y="373694"/>
-                  <a:pt x="1948204" y="261568"/>
-                  <a:pt x="2557365" y="0"/>
-                </a:cubicBezTo>
-                <a:close/>
-              </a:path>
-            </a:pathLst>
-          </a:custGeom>
-          <a:solidFill>
-            <a:schemeClr val="accent4"/>
-          </a:solidFill>
-          <a:ln>
-            <a:noFill/>
-          </a:ln>
-        </p:spPr>
-        <p:style>
-          <a:lnRef idx="2">
-            <a:schemeClr val="accent1">
-              <a:shade val="50000"/>
-            </a:schemeClr>
-          </a:lnRef>
-          <a:fillRef idx="1">
-            <a:schemeClr val="accent1"/>
-          </a:fillRef>
-          <a:effectRef idx="0">
-            <a:schemeClr val="accent1"/>
-          </a:effectRef>
-          <a:fontRef idx="minor">
-            <a:schemeClr val="lt1"/>
-          </a:fontRef>
-        </p:style>
-        <p:txBody>
-          <a:bodyPr rtlCol="0" anchor="ctr"/>
-          <a:lstStyle/>
-          <a:p>
-            <a:pPr algn="ctr"/>
-            <a:endParaRPr lang="ko-KR" altLang="en-US"/>
-          </a:p>
-        </p:txBody>
-      </p:sp>
-    </p:spTree>
-    <p:extLst>
-      <p:ext uri="{BB962C8B-B14F-4D97-AF65-F5344CB8AC3E}">
-        <p14:creationId xmlns:p14="http://schemas.microsoft.com/office/powerpoint/2010/main" val="3730695915"/>
-      </p:ext>
-    </p:extLst>
-  </p:cSld>
-  <p:clrMapOvr>
-    <a:masterClrMapping/>
-  </p:clrMapOvr>
-</p:sld>
-</file>
-
-<file path=ppt/slides/slide6.xml><?xml version="1.0" encoding="utf-8"?>
-<p:sld xmlns:a="http://schemas.openxmlformats.org/drawingml/2006/main" xmlns:r="http://schemas.openxmlformats.org/officeDocument/2006/relationships" xmlns:p="http://schemas.openxmlformats.org/presentationml/2006/main">
-  <p:cSld>
-    <p:spTree>
-      <p:nvGrpSpPr>
-        <p:cNvPr id="1" name=""/>
-        <p:cNvGrpSpPr/>
-        <p:nvPr/>
-      </p:nvGrpSpPr>
-      <p:grpSpPr>
-        <a:xfrm>
-          <a:off x="0" y="0"/>
-          <a:ext cx="0" cy="0"/>
-          <a:chOff x="0" y="0"/>
-          <a:chExt cx="0" cy="0"/>
-        </a:xfrm>
-      </p:grpSpPr>
-      <p:sp>
-        <p:nvSpPr>
           <p:cNvPr id="2" name="Text Placeholder 1"/>
           <p:cNvSpPr>
             <a:spLocks noGrp="1"/>
@@ -34375,7 +35004,7 @@
 </p:sld>
 </file>
 
-<file path=ppt/slides/slide7.xml><?xml version="1.0" encoding="utf-8"?>
+<file path=ppt/slides/slide6.xml><?xml version="1.0" encoding="utf-8"?>
 <p:sld xmlns:a="http://schemas.openxmlformats.org/drawingml/2006/main" xmlns:r="http://schemas.openxmlformats.org/officeDocument/2006/relationships" xmlns:p="http://schemas.openxmlformats.org/presentationml/2006/main">
   <p:cSld>
     <p:spTree>
@@ -37055,6 +37684,506 @@
     <p:extLst>
       <p:ext uri="{BB962C8B-B14F-4D97-AF65-F5344CB8AC3E}">
         <p14:creationId xmlns:p14="http://schemas.microsoft.com/office/powerpoint/2010/main" val="3626335506"/>
+      </p:ext>
+    </p:extLst>
+  </p:cSld>
+  <p:clrMapOvr>
+    <a:masterClrMapping/>
+  </p:clrMapOvr>
+</p:sld>
+</file>
+
+<file path=ppt/slides/slide7.xml><?xml version="1.0" encoding="utf-8"?>
+<p:sld xmlns:a="http://schemas.openxmlformats.org/drawingml/2006/main" xmlns:r="http://schemas.openxmlformats.org/officeDocument/2006/relationships" xmlns:p="http://schemas.openxmlformats.org/presentationml/2006/main">
+  <p:cSld>
+    <p:spTree>
+      <p:nvGrpSpPr>
+        <p:cNvPr id="1" name=""/>
+        <p:cNvGrpSpPr/>
+        <p:nvPr/>
+      </p:nvGrpSpPr>
+      <p:grpSpPr>
+        <a:xfrm>
+          <a:off x="0" y="0"/>
+          <a:ext cx="0" cy="0"/>
+          <a:chOff x="0" y="0"/>
+          <a:chExt cx="0" cy="0"/>
+        </a:xfrm>
+      </p:grpSpPr>
+      <p:sp>
+        <p:nvSpPr>
+          <p:cNvPr id="14" name="TextBox 51">
+            <a:extLst>
+              <a:ext uri="{FF2B5EF4-FFF2-40B4-BE49-F238E27FC236}">
+                <a16:creationId xmlns:a16="http://schemas.microsoft.com/office/drawing/2014/main" id="{EB75AEC0-40BF-4322-BF6C-8292B2AAB678}"/>
+              </a:ext>
+            </a:extLst>
+          </p:cNvPr>
+          <p:cNvSpPr txBox="1"/>
+          <p:nvPr/>
+        </p:nvSpPr>
+        <p:spPr>
+          <a:xfrm>
+            <a:off x="179512" y="232244"/>
+            <a:ext cx="4320480" cy="400110"/>
+          </a:xfrm>
+          <a:prstGeom prst="rect">
+            <a:avLst/>
+          </a:prstGeom>
+          <a:noFill/>
+        </p:spPr>
+        <p:txBody>
+          <a:bodyPr wrap="square" rtlCol="0">
+            <a:spAutoFit/>
+          </a:bodyPr>
+          <a:lstStyle/>
+          <a:p>
+            <a:pPr algn="ctr"/>
+            <a:r>
+              <a:rPr lang="en-US" altLang="ko-KR" sz="2000" b="1" dirty="0" err="1">
+                <a:solidFill>
+                  <a:schemeClr val="tx1">
+                    <a:lumMod val="75000"/>
+                    <a:lumOff val="25000"/>
+                  </a:schemeClr>
+                </a:solidFill>
+                <a:cs typeface="Arial" pitchFamily="34" charset="0"/>
+              </a:rPr>
+              <a:t>Proiectarea</a:t>
+            </a:r>
+            <a:r>
+              <a:rPr lang="en-US" altLang="ko-KR" sz="2000" b="1" dirty="0">
+                <a:solidFill>
+                  <a:schemeClr val="tx1">
+                    <a:lumMod val="75000"/>
+                    <a:lumOff val="25000"/>
+                  </a:schemeClr>
+                </a:solidFill>
+                <a:cs typeface="Arial" pitchFamily="34" charset="0"/>
+              </a:rPr>
+              <a:t> </a:t>
+            </a:r>
+            <a:r>
+              <a:rPr lang="en-US" altLang="ko-KR" sz="2000" b="1" dirty="0" err="1">
+                <a:solidFill>
+                  <a:schemeClr val="tx1">
+                    <a:lumMod val="75000"/>
+                    <a:lumOff val="25000"/>
+                  </a:schemeClr>
+                </a:solidFill>
+                <a:cs typeface="Arial" pitchFamily="34" charset="0"/>
+              </a:rPr>
+              <a:t>Bazei</a:t>
+            </a:r>
+            <a:r>
+              <a:rPr lang="en-US" altLang="ko-KR" sz="2000" b="1" dirty="0">
+                <a:solidFill>
+                  <a:schemeClr val="tx1">
+                    <a:lumMod val="75000"/>
+                    <a:lumOff val="25000"/>
+                  </a:schemeClr>
+                </a:solidFill>
+                <a:cs typeface="Arial" pitchFamily="34" charset="0"/>
+              </a:rPr>
+              <a:t> de date</a:t>
+            </a:r>
+            <a:endParaRPr lang="ro-RO" altLang="ko-KR" sz="2000" b="1" dirty="0">
+              <a:solidFill>
+                <a:schemeClr val="tx1">
+                  <a:lumMod val="75000"/>
+                  <a:lumOff val="25000"/>
+                </a:schemeClr>
+              </a:solidFill>
+              <a:cs typeface="Arial" pitchFamily="34" charset="0"/>
+            </a:endParaRPr>
+          </a:p>
+        </p:txBody>
+      </p:sp>
+      <p:pic>
+        <p:nvPicPr>
+          <p:cNvPr id="15" name="Substituent conținut 12">
+            <a:extLst>
+              <a:ext uri="{FF2B5EF4-FFF2-40B4-BE49-F238E27FC236}">
+                <a16:creationId xmlns:a16="http://schemas.microsoft.com/office/drawing/2014/main" id="{90BFF926-8831-4E32-90C9-91FCB817778A}"/>
+              </a:ext>
+            </a:extLst>
+          </p:cNvPr>
+          <p:cNvPicPr>
+            <a:picLocks noChangeAspect="1"/>
+          </p:cNvPicPr>
+          <p:nvPr/>
+        </p:nvPicPr>
+        <p:blipFill>
+          <a:blip r:embed="rId2">
+            <a:extLst>
+              <a:ext uri="{28A0092B-C50C-407E-A947-70E740481C1C}">
+                <a14:useLocalDpi xmlns:a14="http://schemas.microsoft.com/office/drawing/2010/main" val="0"/>
+              </a:ext>
+            </a:extLst>
+          </a:blip>
+          <a:stretch>
+            <a:fillRect/>
+          </a:stretch>
+        </p:blipFill>
+        <p:spPr>
+          <a:xfrm>
+            <a:off x="683568" y="777908"/>
+            <a:ext cx="7275839" cy="4223332"/>
+          </a:xfrm>
+          <a:prstGeom prst="rect">
+            <a:avLst/>
+          </a:prstGeom>
+        </p:spPr>
+      </p:pic>
+      <p:sp>
+        <p:nvSpPr>
+          <p:cNvPr id="2" name="Freeform 1"/>
+          <p:cNvSpPr/>
+          <p:nvPr/>
+        </p:nvSpPr>
+        <p:spPr>
+          <a:xfrm rot="5400000">
+            <a:off x="4456308" y="-3356410"/>
+            <a:ext cx="375400" cy="8352928"/>
+          </a:xfrm>
+          <a:custGeom>
+            <a:avLst/>
+            <a:gdLst>
+              <a:gd name="connsiteX0" fmla="*/ 0 w 365760"/>
+              <a:gd name="connsiteY0" fmla="*/ 0 h 5013960"/>
+              <a:gd name="connsiteX1" fmla="*/ 0 w 365760"/>
+              <a:gd name="connsiteY1" fmla="*/ 502920 h 5013960"/>
+              <a:gd name="connsiteX2" fmla="*/ 365760 w 365760"/>
+              <a:gd name="connsiteY2" fmla="*/ 502920 h 5013960"/>
+              <a:gd name="connsiteX3" fmla="*/ 365760 w 365760"/>
+              <a:gd name="connsiteY3" fmla="*/ 1249680 h 5013960"/>
+              <a:gd name="connsiteX4" fmla="*/ 7620 w 365760"/>
+              <a:gd name="connsiteY4" fmla="*/ 1249680 h 5013960"/>
+              <a:gd name="connsiteX5" fmla="*/ 7620 w 365760"/>
+              <a:gd name="connsiteY5" fmla="*/ 5013960 h 5013960"/>
+              <a:gd name="connsiteX0" fmla="*/ 0 w 365760"/>
+              <a:gd name="connsiteY0" fmla="*/ 0 h 4762500"/>
+              <a:gd name="connsiteX1" fmla="*/ 0 w 365760"/>
+              <a:gd name="connsiteY1" fmla="*/ 251460 h 4762500"/>
+              <a:gd name="connsiteX2" fmla="*/ 365760 w 365760"/>
+              <a:gd name="connsiteY2" fmla="*/ 251460 h 4762500"/>
+              <a:gd name="connsiteX3" fmla="*/ 365760 w 365760"/>
+              <a:gd name="connsiteY3" fmla="*/ 998220 h 4762500"/>
+              <a:gd name="connsiteX4" fmla="*/ 7620 w 365760"/>
+              <a:gd name="connsiteY4" fmla="*/ 998220 h 4762500"/>
+              <a:gd name="connsiteX5" fmla="*/ 7620 w 365760"/>
+              <a:gd name="connsiteY5" fmla="*/ 4762500 h 4762500"/>
+              <a:gd name="connsiteX0" fmla="*/ 0 w 365760"/>
+              <a:gd name="connsiteY0" fmla="*/ 0 h 4610100"/>
+              <a:gd name="connsiteX1" fmla="*/ 0 w 365760"/>
+              <a:gd name="connsiteY1" fmla="*/ 251460 h 4610100"/>
+              <a:gd name="connsiteX2" fmla="*/ 365760 w 365760"/>
+              <a:gd name="connsiteY2" fmla="*/ 251460 h 4610100"/>
+              <a:gd name="connsiteX3" fmla="*/ 365760 w 365760"/>
+              <a:gd name="connsiteY3" fmla="*/ 998220 h 4610100"/>
+              <a:gd name="connsiteX4" fmla="*/ 7620 w 365760"/>
+              <a:gd name="connsiteY4" fmla="*/ 998220 h 4610100"/>
+              <a:gd name="connsiteX5" fmla="*/ 7620 w 365760"/>
+              <a:gd name="connsiteY5" fmla="*/ 4610100 h 4610100"/>
+            </a:gdLst>
+            <a:ahLst/>
+            <a:cxnLst>
+              <a:cxn ang="0">
+                <a:pos x="connsiteX0" y="connsiteY0"/>
+              </a:cxn>
+              <a:cxn ang="0">
+                <a:pos x="connsiteX1" y="connsiteY1"/>
+              </a:cxn>
+              <a:cxn ang="0">
+                <a:pos x="connsiteX2" y="connsiteY2"/>
+              </a:cxn>
+              <a:cxn ang="0">
+                <a:pos x="connsiteX3" y="connsiteY3"/>
+              </a:cxn>
+              <a:cxn ang="0">
+                <a:pos x="connsiteX4" y="connsiteY4"/>
+              </a:cxn>
+              <a:cxn ang="0">
+                <a:pos x="connsiteX5" y="connsiteY5"/>
+              </a:cxn>
+            </a:cxnLst>
+            <a:rect l="l" t="t" r="r" b="b"/>
+            <a:pathLst>
+              <a:path w="365760" h="4610100">
+                <a:moveTo>
+                  <a:pt x="0" y="0"/>
+                </a:moveTo>
+                <a:lnTo>
+                  <a:pt x="0" y="251460"/>
+                </a:lnTo>
+                <a:lnTo>
+                  <a:pt x="365760" y="251460"/>
+                </a:lnTo>
+                <a:lnTo>
+                  <a:pt x="365760" y="998220"/>
+                </a:lnTo>
+                <a:lnTo>
+                  <a:pt x="7620" y="998220"/>
+                </a:lnTo>
+                <a:lnTo>
+                  <a:pt x="7620" y="4610100"/>
+                </a:lnTo>
+              </a:path>
+            </a:pathLst>
+          </a:custGeom>
+          <a:ln w="34925">
+            <a:solidFill>
+              <a:schemeClr val="tx1">
+                <a:lumMod val="75000"/>
+                <a:lumOff val="25000"/>
+              </a:schemeClr>
+            </a:solidFill>
+            <a:headEnd type="oval"/>
+            <a:tailEnd type="oval"/>
+          </a:ln>
+        </p:spPr>
+        <p:style>
+          <a:lnRef idx="1">
+            <a:schemeClr val="accent1"/>
+          </a:lnRef>
+          <a:fillRef idx="0">
+            <a:schemeClr val="accent1"/>
+          </a:fillRef>
+          <a:effectRef idx="0">
+            <a:schemeClr val="accent1"/>
+          </a:effectRef>
+          <a:fontRef idx="minor">
+            <a:schemeClr val="tx1"/>
+          </a:fontRef>
+        </p:style>
+        <p:txBody>
+          <a:bodyPr rtlCol="0" anchor="ctr"/>
+          <a:lstStyle/>
+          <a:p>
+            <a:pPr algn="ctr"/>
+            <a:endParaRPr lang="ko-KR" altLang="en-US">
+              <a:solidFill>
+                <a:schemeClr val="tx1">
+                  <a:lumMod val="75000"/>
+                  <a:lumOff val="25000"/>
+                </a:schemeClr>
+              </a:solidFill>
+            </a:endParaRPr>
+          </a:p>
+        </p:txBody>
+      </p:sp>
+      <p:pic>
+        <p:nvPicPr>
+          <p:cNvPr id="4" name="Picture 2" descr="E:\002-KIMS BUSINESS\007-02-Fullslidesppt-Contents\20161216\Stethoscope as symbol of medicine PowerPoint Templates\main-item-01.png"/>
+          <p:cNvPicPr>
+            <a:picLocks noChangeAspect="1" noChangeArrowheads="1"/>
+          </p:cNvPicPr>
+          <p:nvPr/>
+        </p:nvPicPr>
+        <p:blipFill>
+          <a:blip r:embed="rId3" cstate="print">
+            <a:extLst>
+              <a:ext uri="{28A0092B-C50C-407E-A947-70E740481C1C}">
+                <a14:useLocalDpi xmlns:a14="http://schemas.microsoft.com/office/drawing/2010/main" val="0"/>
+              </a:ext>
+            </a:extLst>
+          </a:blip>
+          <a:srcRect/>
+          <a:stretch>
+            <a:fillRect/>
+          </a:stretch>
+        </p:blipFill>
+        <p:spPr bwMode="hidden">
+          <a:xfrm>
+            <a:off x="7236296" y="123478"/>
+            <a:ext cx="938544" cy="696576"/>
+          </a:xfrm>
+          <a:prstGeom prst="rect">
+            <a:avLst/>
+          </a:prstGeom>
+          <a:noFill/>
+          <a:extLst>
+            <a:ext uri="{909E8E84-426E-40DD-AFC4-6F175D3DCCD1}">
+              <a14:hiddenFill xmlns:a14="http://schemas.microsoft.com/office/drawing/2010/main">
+                <a:solidFill>
+                  <a:srgbClr val="FFFFFF"/>
+                </a:solidFill>
+              </a14:hiddenFill>
+            </a:ext>
+          </a:extLst>
+        </p:spPr>
+      </p:pic>
+      <p:sp>
+        <p:nvSpPr>
+          <p:cNvPr id="22" name="Teardrop 9">
+            <a:extLst>
+              <a:ext uri="{FF2B5EF4-FFF2-40B4-BE49-F238E27FC236}">
+                <a16:creationId xmlns:a16="http://schemas.microsoft.com/office/drawing/2014/main" id="{A0DEBC85-2857-48F3-93CA-1CBF2BD272B1}"/>
+              </a:ext>
+            </a:extLst>
+          </p:cNvPr>
+          <p:cNvSpPr>
+            <a:spLocks noChangeAspect="1"/>
+          </p:cNvSpPr>
+          <p:nvPr/>
+        </p:nvSpPr>
+        <p:spPr>
+          <a:xfrm rot="18900000">
+            <a:off x="7239168" y="753432"/>
+            <a:ext cx="171791" cy="146619"/>
+          </a:xfrm>
+          <a:custGeom>
+            <a:avLst/>
+            <a:gdLst/>
+            <a:ahLst/>
+            <a:cxnLst/>
+            <a:rect l="l" t="t" r="r" b="b"/>
+            <a:pathLst>
+              <a:path w="3552042" h="3031575">
+                <a:moveTo>
+                  <a:pt x="1499560" y="1284945"/>
+                </a:moveTo>
+                <a:lnTo>
+                  <a:pt x="1272419" y="1057805"/>
+                </a:lnTo>
+                <a:lnTo>
+                  <a:pt x="1054631" y="1275593"/>
+                </a:lnTo>
+                <a:lnTo>
+                  <a:pt x="836843" y="1057805"/>
+                </a:lnTo>
+                <a:lnTo>
+                  <a:pt x="609703" y="1284945"/>
+                </a:lnTo>
+                <a:lnTo>
+                  <a:pt x="827491" y="1502733"/>
+                </a:lnTo>
+                <a:lnTo>
+                  <a:pt x="609703" y="1720522"/>
+                </a:lnTo>
+                <a:lnTo>
+                  <a:pt x="836843" y="1947662"/>
+                </a:lnTo>
+                <a:lnTo>
+                  <a:pt x="1054631" y="1729874"/>
+                </a:lnTo>
+                <a:lnTo>
+                  <a:pt x="1272419" y="1947662"/>
+                </a:lnTo>
+                <a:lnTo>
+                  <a:pt x="1499560" y="1720522"/>
+                </a:lnTo>
+                <a:lnTo>
+                  <a:pt x="1281771" y="1502733"/>
+                </a:lnTo>
+                <a:close/>
+                <a:moveTo>
+                  <a:pt x="3552042" y="1021270"/>
+                </a:moveTo>
+                <a:cubicBezTo>
+                  <a:pt x="3346428" y="1488389"/>
+                  <a:pt x="3240687" y="1885112"/>
+                  <a:pt x="3146822" y="2229032"/>
+                </a:cubicBezTo>
+                <a:cubicBezTo>
+                  <a:pt x="3047091" y="2666397"/>
+                  <a:pt x="2787512" y="3031575"/>
+                  <a:pt x="2344279" y="3031575"/>
+                </a:cubicBezTo>
+                <a:cubicBezTo>
+                  <a:pt x="1991740" y="3031575"/>
+                  <a:pt x="1692293" y="2804263"/>
+                  <a:pt x="1587926" y="2487045"/>
+                </a:cubicBezTo>
+                <a:cubicBezTo>
+                  <a:pt x="1859795" y="2308350"/>
+                  <a:pt x="2033031" y="1980125"/>
+                  <a:pt x="2117061" y="1611614"/>
+                </a:cubicBezTo>
+                <a:cubicBezTo>
+                  <a:pt x="2127904" y="1571883"/>
+                  <a:pt x="2138872" y="1531598"/>
+                  <a:pt x="2150086" y="1490753"/>
+                </a:cubicBezTo>
+                <a:cubicBezTo>
+                  <a:pt x="2212338" y="1465032"/>
+                  <a:pt x="2277652" y="1444164"/>
+                  <a:pt x="2344279" y="1426490"/>
+                </a:cubicBezTo>
+                <a:cubicBezTo>
+                  <a:pt x="2764465" y="1315024"/>
+                  <a:pt x="3073190" y="1226884"/>
+                  <a:pt x="3552042" y="1021270"/>
+                </a:cubicBezTo>
+                <a:close/>
+                <a:moveTo>
+                  <a:pt x="2557365" y="0"/>
+                </a:moveTo>
+                <a:cubicBezTo>
+                  <a:pt x="2295797" y="594236"/>
+                  <a:pt x="2161281" y="1098917"/>
+                  <a:pt x="2041873" y="1536428"/>
+                </a:cubicBezTo>
+                <a:cubicBezTo>
+                  <a:pt x="1915003" y="2092812"/>
+                  <a:pt x="1584785" y="2557364"/>
+                  <a:pt x="1020937" y="2557364"/>
+                </a:cubicBezTo>
+                <a:cubicBezTo>
+                  <a:pt x="457089" y="2557364"/>
+                  <a:pt x="0" y="2100276"/>
+                  <a:pt x="0" y="1536428"/>
+                </a:cubicBezTo>
+                <a:cubicBezTo>
+                  <a:pt x="0" y="972580"/>
+                  <a:pt x="475939" y="660066"/>
+                  <a:pt x="1020937" y="515492"/>
+                </a:cubicBezTo>
+                <a:cubicBezTo>
+                  <a:pt x="1555467" y="373694"/>
+                  <a:pt x="1948204" y="261568"/>
+                  <a:pt x="2557365" y="0"/>
+                </a:cubicBezTo>
+                <a:close/>
+              </a:path>
+            </a:pathLst>
+          </a:custGeom>
+          <a:solidFill>
+            <a:schemeClr val="accent4"/>
+          </a:solidFill>
+          <a:ln>
+            <a:noFill/>
+          </a:ln>
+        </p:spPr>
+        <p:style>
+          <a:lnRef idx="2">
+            <a:schemeClr val="accent1">
+              <a:shade val="50000"/>
+            </a:schemeClr>
+          </a:lnRef>
+          <a:fillRef idx="1">
+            <a:schemeClr val="accent1"/>
+          </a:fillRef>
+          <a:effectRef idx="0">
+            <a:schemeClr val="accent1"/>
+          </a:effectRef>
+          <a:fontRef idx="minor">
+            <a:schemeClr val="lt1"/>
+          </a:fontRef>
+        </p:style>
+        <p:txBody>
+          <a:bodyPr rtlCol="0" anchor="ctr"/>
+          <a:lstStyle/>
+          <a:p>
+            <a:pPr algn="ctr"/>
+            <a:endParaRPr lang="ko-KR" altLang="en-US"/>
+          </a:p>
+        </p:txBody>
+      </p:sp>
+    </p:spTree>
+    <p:extLst>
+      <p:ext uri="{BB962C8B-B14F-4D97-AF65-F5344CB8AC3E}">
+        <p14:creationId xmlns:p14="http://schemas.microsoft.com/office/powerpoint/2010/main" val="3730695915"/>
       </p:ext>
     </p:extLst>
   </p:cSld>
